--- a/Day 12/Slides/9. How to Configure and Use Spring Data JPA/how-to-configure-and-use-spring-data-jpa-slides.pptx
+++ b/Day 12/Slides/9. How to Configure and Use Spring Data JPA/how-to-configure-and-use-spring-data-jpa-slides.pptx
@@ -2552,28 +2552,6 @@
           </a:p>
         </p:txBody>
       </p:sp>
-      <p:pic>
-        <p:nvPicPr>
-          <p:cNvPr id="4" name="object 4"/>
-          <p:cNvPicPr/>
-          <p:nvPr/>
-        </p:nvPicPr>
-        <p:blipFill>
-          <a:blip r:embed="rId1" cstate="print"/>
-          <a:stretch>
-            <a:fillRect/>
-          </a:stretch>
-        </p:blipFill>
-        <p:spPr>
-          <a:xfrm>
-            <a:off x="425449" y="3422650"/>
-            <a:ext cx="8280387" cy="1485899"/>
-          </a:xfrm>
-          <a:prstGeom prst="rect">
-            <a:avLst/>
-          </a:prstGeom>
-        </p:spPr>
-      </p:pic>
       <p:sp>
         <p:nvSpPr>
           <p:cNvPr id="5" name="Slide Number Placeholder 4"/>
@@ -2595,6 +2573,55 @@
           </a:p>
         </p:txBody>
       </p:sp>
+      <p:graphicFrame>
+        <p:nvGraphicFramePr>
+          <p:cNvPr id="6" name="Object 5"/>
+          <p:cNvGraphicFramePr/>
+          <p:nvPr/>
+        </p:nvGraphicFramePr>
+        <p:xfrm>
+          <a:off x="425450" y="2685415"/>
+          <a:ext cx="8293100" cy="1487170"/>
+        </p:xfrm>
+        <a:graphic>
+          <a:graphicData uri="http://schemas.openxmlformats.org/presentationml/2006/ole">
+            <mc:AlternateContent xmlns:mc="http://schemas.openxmlformats.org/markup-compatibility/2006">
+              <mc:Choice xmlns:v="urn:schemas-microsoft-com:vml" Requires="v">
+                <p:oleObj spid="_x0000_s7" name="" r:id="rId1" imgW="8286750" imgH="1485900" progId="Paint.Picture">
+                  <p:embed/>
+                </p:oleObj>
+              </mc:Choice>
+              <mc:Fallback>
+                <p:oleObj name="" r:id="rId1" imgW="8286750" imgH="1485900" progId="Paint.Picture">
+                  <p:embed/>
+                  <p:pic>
+                    <p:nvPicPr>
+                      <p:cNvPr id="0" name="Picture 6"/>
+                      <p:cNvPicPr/>
+                      <p:nvPr/>
+                    </p:nvPicPr>
+                    <p:blipFill>
+                      <a:blip r:embed="rId2"/>
+                      <a:stretch>
+                        <a:fillRect/>
+                      </a:stretch>
+                    </p:blipFill>
+                    <p:spPr>
+                      <a:xfrm>
+                        <a:off x="425450" y="2685415"/>
+                        <a:ext cx="8293100" cy="1487170"/>
+                      </a:xfrm>
+                      <a:prstGeom prst="rect">
+                        <a:avLst/>
+                      </a:prstGeom>
+                    </p:spPr>
+                  </p:pic>
+                </p:oleObj>
+              </mc:Fallback>
+            </mc:AlternateContent>
+          </a:graphicData>
+        </a:graphic>
+      </p:graphicFrame>
     </p:spTree>
   </p:cSld>
   <p:clrMapOvr>
@@ -6524,28 +6551,6 @@
           </a:prstGeom>
         </p:spPr>
       </p:pic>
-      <p:pic>
-        <p:nvPicPr>
-          <p:cNvPr id="6" name="object 6"/>
-          <p:cNvPicPr/>
-          <p:nvPr/>
-        </p:nvPicPr>
-        <p:blipFill>
-          <a:blip r:embed="rId3" cstate="print"/>
-          <a:stretch>
-            <a:fillRect/>
-          </a:stretch>
-        </p:blipFill>
-        <p:spPr>
-          <a:xfrm>
-            <a:off x="1695449" y="4133850"/>
-            <a:ext cx="5422887" cy="152399"/>
-          </a:xfrm>
-          <a:prstGeom prst="rect">
-            <a:avLst/>
-          </a:prstGeom>
-        </p:spPr>
-      </p:pic>
       <p:sp>
         <p:nvSpPr>
           <p:cNvPr id="7" name="Slide Number Placeholder 6"/>
@@ -6564,6 +6569,87 @@
               <a:rPr/>
             </a:fld>
             <a:endParaRPr/>
+          </a:p>
+        </p:txBody>
+      </p:sp>
+      <p:sp>
+        <p:nvSpPr>
+          <p:cNvPr id="8" name="Text Box 7"/>
+          <p:cNvSpPr txBox="1"/>
+          <p:nvPr/>
+        </p:nvSpPr>
+        <p:spPr>
+          <a:xfrm>
+            <a:off x="1600200" y="4343400"/>
+            <a:ext cx="6315710" cy="306705"/>
+          </a:xfrm>
+          <a:prstGeom prst="rect">
+            <a:avLst/>
+          </a:prstGeom>
+          <a:noFill/>
+        </p:spPr>
+        <p:txBody>
+          <a:bodyPr wrap="square" rtlCol="0">
+            <a:spAutoFit/>
+          </a:bodyPr>
+          <a:p>
+            <a:r>
+              <a:rPr lang="en-US" sz="1400">
+                <a:gradFill>
+                  <a:gsLst>
+                    <a:gs pos="0">
+                      <a:srgbClr val="14CD68"/>
+                    </a:gs>
+                    <a:gs pos="100000">
+                      <a:srgbClr val="035C7D"/>
+                    </a:gs>
+                  </a:gsLst>
+                  <a:lin scaled="0"/>
+                </a:gradFill>
+              </a:rPr>
+              <a:t>&lt;jpa:repositories</a:t>
+            </a:r>
+            <a:r>
+              <a:rPr lang="en-US" sz="1400"/>
+              <a:t> </a:t>
+            </a:r>
+            <a:r>
+              <a:rPr lang="en-US" sz="1400">
+                <a:solidFill>
+                  <a:srgbClr val="7030A0"/>
+                </a:solidFill>
+              </a:rPr>
+              <a:t>base-package=</a:t>
+            </a:r>
+            <a:r>
+              <a:rPr lang="en-US" sz="1400">
+                <a:gradFill>
+                  <a:gsLst>
+                    <a:gs pos="0">
+                      <a:srgbClr val="007BD3"/>
+                    </a:gs>
+                    <a:gs pos="100000">
+                      <a:srgbClr val="034373"/>
+                    </a:gs>
+                  </a:gsLst>
+                  <a:lin scaled="0"/>
+                </a:gradFill>
+              </a:rPr>
+              <a:t>”com.mycompany.repository”</a:t>
+            </a:r>
+            <a:endParaRPr lang="en-US" sz="1400">
+              <a:gradFill>
+                <a:gsLst>
+                  <a:gs pos="0">
+                    <a:srgbClr val="007BD3"/>
+                  </a:gs>
+                  <a:gs pos="100000">
+                    <a:srgbClr val="034373"/>
+                  </a:gs>
+                </a:gsLst>
+                <a:lin scaled="0"/>
+              </a:gradFill>
+            </a:endParaRPr>
           </a:p>
         </p:txBody>
       </p:sp>
